--- a/PPT/WZK_Android作业.pptx
+++ b/PPT/WZK_Android作业.pptx
@@ -13168,6 +13168,43 @@
                 <a:srgbClr val="FF0000"/>
               </a:solidFill>
             </a:endParaRPr>
+          </a:p>
+        </p:txBody>
+      </p:sp>
+      <p:sp>
+        <p:nvSpPr>
+          <p:cNvPr id="3" name="文本框 2"/>
+          <p:cNvSpPr txBox="1"/>
+          <p:nvPr/>
+        </p:nvSpPr>
+        <p:spPr>
+          <a:xfrm>
+            <a:off x="838200" y="5698490"/>
+            <a:ext cx="4029075" cy="460375"/>
+          </a:xfrm>
+          <a:prstGeom prst="rect">
+            <a:avLst/>
+          </a:prstGeom>
+          <a:noFill/>
+        </p:spPr>
+        <p:txBody>
+          <a:bodyPr wrap="square" rtlCol="0">
+            <a:spAutoFit/>
+          </a:bodyPr>
+          <a:p>
+            <a:r>
+              <a:rPr lang="en-US" altLang="zh-CN" sz="2400" u="sng"/>
+              <a:t>Android</a:t>
+            </a:r>
+            <a:r>
+              <a:rPr lang="zh-CN" altLang="en-US" sz="2400" u="sng"/>
+              <a:t>版本不兼容</a:t>
+            </a:r>
+            <a:r>
+              <a:rPr lang="en-US" altLang="zh-CN" sz="2400" u="sng"/>
+              <a:t>...</a:t>
+            </a:r>
+            <a:endParaRPr lang="en-US" altLang="zh-CN" sz="2400" u="sng"/>
           </a:p>
         </p:txBody>
       </p:sp>
